--- a/ProjectPPT/Presentation1.pptx
+++ b/ProjectPPT/Presentation1.pptx
@@ -290,7 +290,7 @@
           <a:p>
             <a:fld id="{24EEC5DA-772A-446D-80E2-1F59C8C342D8}" type="datetimeFigureOut">
               <a:rPr lang="en-IN" smtClean="0"/>
-              <a:t>06-11-2023</a:t>
+              <a:t>14-01-2024</a:t>
             </a:fld>
             <a:endParaRPr lang="en-IN" dirty="0"/>
           </a:p>
@@ -490,7 +490,7 @@
           <a:p>
             <a:fld id="{24EEC5DA-772A-446D-80E2-1F59C8C342D8}" type="datetimeFigureOut">
               <a:rPr lang="en-IN" smtClean="0"/>
-              <a:t>06-11-2023</a:t>
+              <a:t>14-01-2024</a:t>
             </a:fld>
             <a:endParaRPr lang="en-IN" dirty="0"/>
           </a:p>
@@ -700,7 +700,7 @@
           <a:p>
             <a:fld id="{24EEC5DA-772A-446D-80E2-1F59C8C342D8}" type="datetimeFigureOut">
               <a:rPr lang="en-IN" smtClean="0"/>
-              <a:t>06-11-2023</a:t>
+              <a:t>14-01-2024</a:t>
             </a:fld>
             <a:endParaRPr lang="en-IN" dirty="0"/>
           </a:p>
@@ -900,7 +900,7 @@
           <a:p>
             <a:fld id="{24EEC5DA-772A-446D-80E2-1F59C8C342D8}" type="datetimeFigureOut">
               <a:rPr lang="en-IN" smtClean="0"/>
-              <a:t>06-11-2023</a:t>
+              <a:t>14-01-2024</a:t>
             </a:fld>
             <a:endParaRPr lang="en-IN" dirty="0"/>
           </a:p>
@@ -1176,7 +1176,7 @@
           <a:p>
             <a:fld id="{24EEC5DA-772A-446D-80E2-1F59C8C342D8}" type="datetimeFigureOut">
               <a:rPr lang="en-IN" smtClean="0"/>
-              <a:t>06-11-2023</a:t>
+              <a:t>14-01-2024</a:t>
             </a:fld>
             <a:endParaRPr lang="en-IN" dirty="0"/>
           </a:p>
@@ -1444,7 +1444,7 @@
           <a:p>
             <a:fld id="{24EEC5DA-772A-446D-80E2-1F59C8C342D8}" type="datetimeFigureOut">
               <a:rPr lang="en-IN" smtClean="0"/>
-              <a:t>06-11-2023</a:t>
+              <a:t>14-01-2024</a:t>
             </a:fld>
             <a:endParaRPr lang="en-IN" dirty="0"/>
           </a:p>
@@ -1859,7 +1859,7 @@
           <a:p>
             <a:fld id="{24EEC5DA-772A-446D-80E2-1F59C8C342D8}" type="datetimeFigureOut">
               <a:rPr lang="en-IN" smtClean="0"/>
-              <a:t>06-11-2023</a:t>
+              <a:t>14-01-2024</a:t>
             </a:fld>
             <a:endParaRPr lang="en-IN" dirty="0"/>
           </a:p>
@@ -2001,7 +2001,7 @@
           <a:p>
             <a:fld id="{24EEC5DA-772A-446D-80E2-1F59C8C342D8}" type="datetimeFigureOut">
               <a:rPr lang="en-IN" smtClean="0"/>
-              <a:t>06-11-2023</a:t>
+              <a:t>14-01-2024</a:t>
             </a:fld>
             <a:endParaRPr lang="en-IN" dirty="0"/>
           </a:p>
@@ -2114,7 +2114,7 @@
           <a:p>
             <a:fld id="{24EEC5DA-772A-446D-80E2-1F59C8C342D8}" type="datetimeFigureOut">
               <a:rPr lang="en-IN" smtClean="0"/>
-              <a:t>06-11-2023</a:t>
+              <a:t>14-01-2024</a:t>
             </a:fld>
             <a:endParaRPr lang="en-IN" dirty="0"/>
           </a:p>
@@ -2427,7 +2427,7 @@
           <a:p>
             <a:fld id="{24EEC5DA-772A-446D-80E2-1F59C8C342D8}" type="datetimeFigureOut">
               <a:rPr lang="en-IN" smtClean="0"/>
-              <a:t>06-11-2023</a:t>
+              <a:t>14-01-2024</a:t>
             </a:fld>
             <a:endParaRPr lang="en-IN" dirty="0"/>
           </a:p>
@@ -2716,7 +2716,7 @@
           <a:p>
             <a:fld id="{24EEC5DA-772A-446D-80E2-1F59C8C342D8}" type="datetimeFigureOut">
               <a:rPr lang="en-IN" smtClean="0"/>
-              <a:t>06-11-2023</a:t>
+              <a:t>14-01-2024</a:t>
             </a:fld>
             <a:endParaRPr lang="en-IN" dirty="0"/>
           </a:p>
@@ -2959,7 +2959,7 @@
           <a:p>
             <a:fld id="{24EEC5DA-772A-446D-80E2-1F59C8C342D8}" type="datetimeFigureOut">
               <a:rPr lang="en-IN" smtClean="0"/>
-              <a:t>06-11-2023</a:t>
+              <a:t>14-01-2024</a:t>
             </a:fld>
             <a:endParaRPr lang="en-IN" dirty="0"/>
           </a:p>
@@ -8165,11 +8165,50 @@
               <a:buFont typeface="+mj-lt"/>
               <a:buAutoNum type="romanLcPeriod"/>
             </a:pPr>
+            <a:endParaRPr lang="en-US" sz="3600" dirty="0">
+              <a:hlinkClick r:id="rId4"/>
+            </a:endParaRPr>
+          </a:p>
+          <a:p>
+            <a:pPr marL="400050" indent="-400050">
+              <a:buFont typeface="+mj-lt"/>
+              <a:buAutoNum type="romanLcPeriod"/>
+            </a:pPr>
+            <a:r>
+              <a:rPr lang="en-IN" sz="3600" b="0" i="0" dirty="0">
+                <a:effectLst/>
+                <a:latin typeface="Times New Roman" panose="02020603050405020304" pitchFamily="18" charset="0"/>
+                <a:hlinkClick r:id="rId5"/>
+              </a:rPr>
+              <a:t>https://kiranjeet28.github.io/Previous-Year-Paper-GPWF-Minor-Project-</a:t>
+            </a:r>
+            <a:endParaRPr lang="en-US" sz="3600" dirty="0">
+              <a:hlinkClick r:id="rId4"/>
+            </a:endParaRPr>
+          </a:p>
+          <a:p>
+            <a:pPr marL="400050" indent="-400050">
+              <a:buFont typeface="+mj-lt"/>
+              <a:buAutoNum type="romanLcPeriod"/>
+            </a:pPr>
             <a:r>
               <a:rPr lang="en-US" sz="3600" dirty="0">
                 <a:hlinkClick r:id="rId4"/>
               </a:rPr>
               <a:t>http://www.codewithharry.com</a:t>
+            </a:r>
+            <a:endParaRPr lang="en-US" sz="3600" dirty="0"/>
+          </a:p>
+          <a:p>
+            <a:pPr marL="400050" indent="-400050">
+              <a:buFont typeface="+mj-lt"/>
+              <a:buAutoNum type="romanLcPeriod"/>
+            </a:pPr>
+            <a:r>
+              <a:rPr lang="en-US" sz="3600" dirty="0">
+                <a:hlinkClick r:id="rId6"/>
+              </a:rPr>
+              <a:t>https://www.greekforgreeks.com</a:t>
             </a:r>
             <a:endParaRPr lang="en-US" sz="3600" dirty="0"/>
           </a:p>
@@ -8187,7 +8226,7 @@
             </a:pPr>
             <a:r>
               <a:rPr lang="en-US" sz="3600" dirty="0"/>
-              <a:t>YouTube Code With Harry</a:t>
+              <a:t>Chat GTP</a:t>
             </a:r>
           </a:p>
           <a:p>
@@ -8204,44 +8243,7 @@
             </a:pPr>
             <a:r>
               <a:rPr lang="en-US" sz="3600" dirty="0">
-                <a:hlinkClick r:id="rId5"/>
-              </a:rPr>
-              <a:t>https://www.greekforgreeks.com</a:t>
-            </a:r>
-            <a:endParaRPr lang="en-US" sz="3600" dirty="0"/>
-          </a:p>
-          <a:p>
-            <a:pPr marL="400050" indent="-400050">
-              <a:buFont typeface="+mj-lt"/>
-              <a:buAutoNum type="romanLcPeriod"/>
-            </a:pPr>
-            <a:endParaRPr lang="en-US" sz="3600" dirty="0"/>
-          </a:p>
-          <a:p>
-            <a:pPr marL="400050" indent="-400050">
-              <a:buFont typeface="+mj-lt"/>
-              <a:buAutoNum type="romanLcPeriod"/>
-            </a:pPr>
-            <a:r>
-              <a:rPr lang="en-US" sz="3600" dirty="0"/>
-              <a:t>Chat GTP</a:t>
-            </a:r>
-          </a:p>
-          <a:p>
-            <a:pPr marL="400050" indent="-400050">
-              <a:buFont typeface="+mj-lt"/>
-              <a:buAutoNum type="romanLcPeriod"/>
-            </a:pPr>
-            <a:endParaRPr lang="en-US" sz="3600" dirty="0"/>
-          </a:p>
-          <a:p>
-            <a:pPr marL="400050" indent="-400050">
-              <a:buFont typeface="+mj-lt"/>
-              <a:buAutoNum type="romanLcPeriod"/>
-            </a:pPr>
-            <a:r>
-              <a:rPr lang="en-US" sz="3600" dirty="0">
-                <a:hlinkClick r:id="rId6"/>
+                <a:hlinkClick r:id="rId7"/>
               </a:rPr>
               <a:t>https://www.w3schools.com</a:t>
             </a:r>
